--- a/knapek.pptx
+++ b/knapek.pptx
@@ -5,13 +5,14 @@
     <p:sldMasterId id="2147483827" r:id="rId1"/>
   </p:sldMasterIdLst>
   <p:notesMasterIdLst>
-    <p:notesMasterId r:id="rId6"/>
+    <p:notesMasterId r:id="rId7"/>
   </p:notesMasterIdLst>
   <p:sldIdLst>
     <p:sldId id="256" r:id="rId2"/>
     <p:sldId id="257" r:id="rId3"/>
     <p:sldId id="258" r:id="rId4"/>
-    <p:sldId id="259" r:id="rId5"/>
+    <p:sldId id="260" r:id="rId5"/>
+    <p:sldId id="259" r:id="rId6"/>
   </p:sldIdLst>
   <p:sldSz cx="12192000" cy="6858000"/>
   <p:notesSz cx="6858000" cy="9144000"/>
@@ -110,6 +111,11 @@
       </a:defRPr>
     </a:lvl9pPr>
   </p:defaultTextStyle>
+  <p:extLst>
+    <p:ext uri="{EFAFB233-063F-42B5-8137-9DF3F51BA10A}">
+      <p15:sldGuideLst xmlns:p15="http://schemas.microsoft.com/office/powerpoint/2012/main"/>
+    </p:ext>
+  </p:extLst>
 </p:presentation>
 </file>
 
@@ -195,7 +201,7 @@
           <a:p>
             <a:fld id="{1F575175-D19A-4A64-90EF-C43D317A42EC}" type="datetimeFigureOut">
               <a:rPr lang="cs-CZ" smtClean="0"/>
-              <a:t>28.12.2022</a:t>
+              <a:t>29.12.2022</a:t>
             </a:fld>
             <a:endParaRPr lang="cs-CZ"/>
           </a:p>
@@ -616,6 +622,105 @@
 </p:notes>
 </file>
 
+<file path=ppt/notesSlides/notesSlide2.xml><?xml version="1.0" encoding="utf-8"?>
+<p:notes xmlns:a="http://schemas.openxmlformats.org/drawingml/2006/main" xmlns:r="http://schemas.openxmlformats.org/officeDocument/2006/relationships" xmlns:p="http://schemas.openxmlformats.org/presentationml/2006/main">
+  <p:cSld>
+    <p:spTree>
+      <p:nvGrpSpPr>
+        <p:cNvPr id="1" name=""/>
+        <p:cNvGrpSpPr/>
+        <p:nvPr/>
+      </p:nvGrpSpPr>
+      <p:grpSpPr>
+        <a:xfrm>
+          <a:off x="0" y="0"/>
+          <a:ext cx="0" cy="0"/>
+          <a:chOff x="0" y="0"/>
+          <a:chExt cx="0" cy="0"/>
+        </a:xfrm>
+      </p:grpSpPr>
+      <p:sp>
+        <p:nvSpPr>
+          <p:cNvPr id="2" name="Zástupný symbol pro obrázek snímku 1"/>
+          <p:cNvSpPr>
+            <a:spLocks noGrp="1" noRot="1" noChangeAspect="1"/>
+          </p:cNvSpPr>
+          <p:nvPr>
+            <p:ph type="sldImg"/>
+          </p:nvPr>
+        </p:nvSpPr>
+        <p:spPr/>
+      </p:sp>
+      <p:sp>
+        <p:nvSpPr>
+          <p:cNvPr id="3" name="Zástupný symbol pro poznámky 2"/>
+          <p:cNvSpPr>
+            <a:spLocks noGrp="1"/>
+          </p:cNvSpPr>
+          <p:nvPr>
+            <p:ph type="body" idx="1"/>
+          </p:nvPr>
+        </p:nvSpPr>
+        <p:spPr/>
+        <p:txBody>
+          <a:bodyPr/>
+          <a:lstStyle/>
+          <a:p>
+            <a:r>
+              <a:rPr lang="cs-CZ" dirty="0"/>
+              <a:t>Rastr = pixel</a:t>
+            </a:r>
+          </a:p>
+          <a:p>
+            <a:r>
+              <a:rPr lang="cs-CZ" dirty="0"/>
+              <a:t>Má pouze 256 ( 8 bitů ) </a:t>
+            </a:r>
+          </a:p>
+          <a:p>
+            <a:r>
+              <a:rPr lang="cs-CZ" dirty="0"/>
+              <a:t>Použít bezeztrátovou kompresi</a:t>
+            </a:r>
+          </a:p>
+        </p:txBody>
+      </p:sp>
+      <p:sp>
+        <p:nvSpPr>
+          <p:cNvPr id="4" name="Zástupný symbol pro číslo snímku 3"/>
+          <p:cNvSpPr>
+            <a:spLocks noGrp="1"/>
+          </p:cNvSpPr>
+          <p:nvPr>
+            <p:ph type="sldNum" sz="quarter" idx="5"/>
+          </p:nvPr>
+        </p:nvSpPr>
+        <p:spPr/>
+        <p:txBody>
+          <a:bodyPr/>
+          <a:lstStyle/>
+          <a:p>
+            <a:fld id="{AA3103DD-F332-47CC-917E-7D135BB527FE}" type="slidenum">
+              <a:rPr lang="cs-CZ" smtClean="0"/>
+              <a:t>4</a:t>
+            </a:fld>
+            <a:endParaRPr lang="cs-CZ"/>
+          </a:p>
+        </p:txBody>
+      </p:sp>
+    </p:spTree>
+    <p:extLst>
+      <p:ext uri="{BB962C8B-B14F-4D97-AF65-F5344CB8AC3E}">
+        <p14:creationId xmlns:p14="http://schemas.microsoft.com/office/powerpoint/2010/main" val="1650848170"/>
+      </p:ext>
+    </p:extLst>
+  </p:cSld>
+  <p:clrMapOvr>
+    <a:masterClrMapping/>
+  </p:clrMapOvr>
+</p:notes>
+</file>
+
 <file path=ppt/slideLayouts/slideLayout1.xml><?xml version="1.0" encoding="utf-8"?>
 <p:sldLayout xmlns:a="http://schemas.openxmlformats.org/drawingml/2006/main" xmlns:r="http://schemas.openxmlformats.org/officeDocument/2006/relationships" xmlns:p="http://schemas.openxmlformats.org/presentationml/2006/main" type="title" preserve="1">
   <p:cSld name="Úvodní snímek">
@@ -802,7 +907,7 @@
           <a:p>
             <a:fld id="{72345051-2045-45DA-935E-2E3CA1A69ADC}" type="datetimeFigureOut">
               <a:rPr lang="en-US" smtClean="0"/>
-              <a:t>12/28/2022</a:t>
+              <a:t>12/29/2022</a:t>
             </a:fld>
             <a:endParaRPr lang="en-US" dirty="0"/>
           </a:p>
@@ -1077,7 +1182,7 @@
           <a:p>
             <a:fld id="{72345051-2045-45DA-935E-2E3CA1A69ADC}" type="datetimeFigureOut">
               <a:rPr lang="en-US" smtClean="0"/>
-              <a:t>12/28/2022</a:t>
+              <a:t>12/29/2022</a:t>
             </a:fld>
             <a:endParaRPr lang="en-US" dirty="0"/>
           </a:p>
@@ -1271,7 +1376,7 @@
           <a:p>
             <a:fld id="{72345051-2045-45DA-935E-2E3CA1A69ADC}" type="datetimeFigureOut">
               <a:rPr lang="en-US" smtClean="0"/>
-              <a:t>12/28/2022</a:t>
+              <a:t>12/29/2022</a:t>
             </a:fld>
             <a:endParaRPr lang="en-US" dirty="0"/>
           </a:p>
@@ -1544,7 +1649,7 @@
           <a:p>
             <a:fld id="{72345051-2045-45DA-935E-2E3CA1A69ADC}" type="datetimeFigureOut">
               <a:rPr lang="en-US" smtClean="0"/>
-              <a:t>12/28/2022</a:t>
+              <a:t>12/29/2022</a:t>
             </a:fld>
             <a:endParaRPr lang="en-US" dirty="0"/>
           </a:p>
@@ -1885,7 +1990,7 @@
           <a:p>
             <a:fld id="{72345051-2045-45DA-935E-2E3CA1A69ADC}" type="datetimeFigureOut">
               <a:rPr lang="en-US" smtClean="0"/>
-              <a:t>12/28/2022</a:t>
+              <a:t>12/29/2022</a:t>
             </a:fld>
             <a:endParaRPr lang="en-US" dirty="0"/>
           </a:p>
@@ -2508,7 +2613,7 @@
           <a:p>
             <a:fld id="{72345051-2045-45DA-935E-2E3CA1A69ADC}" type="datetimeFigureOut">
               <a:rPr lang="en-US" smtClean="0"/>
-              <a:t>12/28/2022</a:t>
+              <a:t>12/29/2022</a:t>
             </a:fld>
             <a:endParaRPr lang="en-US" dirty="0"/>
           </a:p>
@@ -3368,7 +3473,7 @@
           <a:p>
             <a:fld id="{72345051-2045-45DA-935E-2E3CA1A69ADC}" type="datetimeFigureOut">
               <a:rPr lang="en-US" smtClean="0"/>
-              <a:t>12/28/2022</a:t>
+              <a:t>12/29/2022</a:t>
             </a:fld>
             <a:endParaRPr lang="en-US" dirty="0"/>
           </a:p>
@@ -3538,7 +3643,7 @@
           <a:p>
             <a:fld id="{72345051-2045-45DA-935E-2E3CA1A69ADC}" type="datetimeFigureOut">
               <a:rPr lang="en-US" smtClean="0"/>
-              <a:t>12/28/2022</a:t>
+              <a:t>12/29/2022</a:t>
             </a:fld>
             <a:endParaRPr lang="en-US" dirty="0"/>
           </a:p>
@@ -3718,7 +3823,7 @@
           <a:p>
             <a:fld id="{72345051-2045-45DA-935E-2E3CA1A69ADC}" type="datetimeFigureOut">
               <a:rPr lang="en-US" smtClean="0"/>
-              <a:t>12/28/2022</a:t>
+              <a:t>12/29/2022</a:t>
             </a:fld>
             <a:endParaRPr lang="en-US" dirty="0"/>
           </a:p>
@@ -3888,7 +3993,7 @@
           <a:p>
             <a:fld id="{72345051-2045-45DA-935E-2E3CA1A69ADC}" type="datetimeFigureOut">
               <a:rPr lang="en-US" smtClean="0"/>
-              <a:t>12/28/2022</a:t>
+              <a:t>12/29/2022</a:t>
             </a:fld>
             <a:endParaRPr lang="en-US"/>
           </a:p>
@@ -4135,7 +4240,7 @@
           <a:p>
             <a:fld id="{72345051-2045-45DA-935E-2E3CA1A69ADC}" type="datetimeFigureOut">
               <a:rPr lang="en-US" smtClean="0"/>
-              <a:t>12/28/2022</a:t>
+              <a:t>12/29/2022</a:t>
             </a:fld>
             <a:endParaRPr lang="en-US" dirty="0"/>
           </a:p>
@@ -4427,7 +4532,7 @@
           <a:p>
             <a:fld id="{72345051-2045-45DA-935E-2E3CA1A69ADC}" type="datetimeFigureOut">
               <a:rPr lang="en-US" smtClean="0"/>
-              <a:t>12/28/2022</a:t>
+              <a:t>12/29/2022</a:t>
             </a:fld>
             <a:endParaRPr lang="en-US" dirty="0"/>
           </a:p>
@@ -4871,7 +4976,7 @@
           <a:p>
             <a:fld id="{72345051-2045-45DA-935E-2E3CA1A69ADC}" type="datetimeFigureOut">
               <a:rPr lang="en-US" smtClean="0"/>
-              <a:t>12/28/2022</a:t>
+              <a:t>12/29/2022</a:t>
             </a:fld>
             <a:endParaRPr lang="en-US" dirty="0"/>
           </a:p>
@@ -4989,7 +5094,7 @@
           <a:p>
             <a:fld id="{72345051-2045-45DA-935E-2E3CA1A69ADC}" type="datetimeFigureOut">
               <a:rPr lang="en-US" smtClean="0"/>
-              <a:t>12/28/2022</a:t>
+              <a:t>12/29/2022</a:t>
             </a:fld>
             <a:endParaRPr lang="en-US" dirty="0"/>
           </a:p>
@@ -5084,7 +5189,7 @@
           <a:p>
             <a:fld id="{72345051-2045-45DA-935E-2E3CA1A69ADC}" type="datetimeFigureOut">
               <a:rPr lang="en-US" smtClean="0"/>
-              <a:t>12/28/2022</a:t>
+              <a:t>12/29/2022</a:t>
             </a:fld>
             <a:endParaRPr lang="en-US" dirty="0"/>
           </a:p>
@@ -5363,7 +5468,7 @@
           <a:p>
             <a:fld id="{72345051-2045-45DA-935E-2E3CA1A69ADC}" type="datetimeFigureOut">
               <a:rPr lang="en-US" smtClean="0"/>
-              <a:t>12/28/2022</a:t>
+              <a:t>12/29/2022</a:t>
             </a:fld>
             <a:endParaRPr lang="en-US" dirty="0"/>
           </a:p>
@@ -5638,7 +5743,7 @@
           <a:p>
             <a:fld id="{72345051-2045-45DA-935E-2E3CA1A69ADC}" type="datetimeFigureOut">
               <a:rPr lang="en-US" smtClean="0"/>
-              <a:t>12/28/2022</a:t>
+              <a:t>12/29/2022</a:t>
             </a:fld>
             <a:endParaRPr lang="en-US" dirty="0"/>
           </a:p>
@@ -6067,7 +6172,7 @@
           <a:p>
             <a:fld id="{72345051-2045-45DA-935E-2E3CA1A69ADC}" type="datetimeFigureOut">
               <a:rPr lang="en-US" smtClean="0"/>
-              <a:t>12/28/2022</a:t>
+              <a:t>12/29/2022</a:t>
             </a:fld>
             <a:endParaRPr lang="en-US" dirty="0"/>
           </a:p>
@@ -6794,13 +6899,13 @@
   <p:clrMapOvr>
     <a:masterClrMapping/>
   </p:clrMapOvr>
-  <mc:AlternateContent xmlns:mc="http://schemas.openxmlformats.org/markup-compatibility/2006">
-    <mc:Choice xmlns:p14="http://schemas.microsoft.com/office/powerpoint/2010/main" Requires="p14">
+  <mc:AlternateContent xmlns:mc="http://schemas.openxmlformats.org/markup-compatibility/2006" xmlns:p14="http://schemas.microsoft.com/office/powerpoint/2010/main">
+    <mc:Choice Requires="p14">
       <p:transition spd="med" p14:dur="700">
         <p:fade/>
       </p:transition>
     </mc:Choice>
-    <mc:Fallback>
+    <mc:Fallback xmlns="">
       <p:transition spd="med">
         <p:fade/>
       </p:transition>
@@ -6939,13 +7044,13 @@
   <p:clrMapOvr>
     <a:masterClrMapping/>
   </p:clrMapOvr>
-  <mc:AlternateContent xmlns:mc="http://schemas.openxmlformats.org/markup-compatibility/2006">
-    <mc:Choice xmlns:p14="http://schemas.microsoft.com/office/powerpoint/2010/main" Requires="p14">
+  <mc:AlternateContent xmlns:mc="http://schemas.openxmlformats.org/markup-compatibility/2006" xmlns:p14="http://schemas.microsoft.com/office/powerpoint/2010/main">
+    <mc:Choice Requires="p14">
       <p:transition spd="med" p14:dur="700">
         <p:fade/>
       </p:transition>
     </mc:Choice>
-    <mc:Fallback>
+    <mc:Fallback xmlns="">
       <p:transition spd="med">
         <p:fade/>
       </p:transition>
@@ -7070,13 +7175,13 @@
   <p:clrMapOvr>
     <a:masterClrMapping/>
   </p:clrMapOvr>
-  <mc:AlternateContent xmlns:mc="http://schemas.openxmlformats.org/markup-compatibility/2006">
-    <mc:Choice xmlns:p14="http://schemas.microsoft.com/office/powerpoint/2010/main" Requires="p14">
+  <mc:AlternateContent xmlns:mc="http://schemas.openxmlformats.org/markup-compatibility/2006" xmlns:p14="http://schemas.microsoft.com/office/powerpoint/2010/main">
+    <mc:Choice Requires="p14">
       <p:transition spd="med" p14:dur="700">
         <p:fade/>
       </p:transition>
     </mc:Choice>
-    <mc:Fallback>
+    <mc:Fallback xmlns="">
       <p:transition spd="med">
         <p:fade/>
       </p:transition>
@@ -7107,7 +7212,7 @@
           <p:cNvPr id="2" name="Nadpis 1">
             <a:extLst>
               <a:ext uri="{FF2B5EF4-FFF2-40B4-BE49-F238E27FC236}">
-                <a16:creationId xmlns:a16="http://schemas.microsoft.com/office/drawing/2014/main" id="{232E8C7A-EB5E-B42D-F7B9-1F420F99137A}"/>
+                <a16:creationId xmlns:a16="http://schemas.microsoft.com/office/drawing/2014/main" id="{F43A2EF2-2E8A-E78E-0A10-A8A5A6660E85}"/>
               </a:ext>
             </a:extLst>
           </p:cNvPr>
@@ -7125,7 +7230,7 @@
           <a:p>
             <a:r>
               <a:rPr lang="cs-CZ" dirty="0"/>
-              <a:t>Citace</a:t>
+              <a:t>GIF</a:t>
             </a:r>
           </a:p>
         </p:txBody>
@@ -7135,7 +7240,7 @@
           <p:cNvPr id="3" name="Zástupný obsah 2">
             <a:extLst>
               <a:ext uri="{FF2B5EF4-FFF2-40B4-BE49-F238E27FC236}">
-                <a16:creationId xmlns:a16="http://schemas.microsoft.com/office/drawing/2014/main" id="{4F7074C7-8637-6800-99B3-58CF891E7AE1}"/>
+                <a16:creationId xmlns:a16="http://schemas.microsoft.com/office/drawing/2014/main" id="{41FC5EFA-FE79-5B92-C63B-AE3B2AF1B75D}"/>
               </a:ext>
             </a:extLst>
           </p:cNvPr>
@@ -7152,293 +7257,64 @@
           <a:lstStyle/>
           <a:p>
             <a:r>
-              <a:rPr lang="en-US" b="0" i="0" dirty="0" err="1">
-                <a:solidFill>
-                  <a:srgbClr val="212529"/>
-                </a:solidFill>
-                <a:effectLst/>
-                <a:latin typeface="Open Sans" panose="020B0606030504020204" pitchFamily="34" charset="0"/>
-              </a:rPr>
-              <a:t>Jaký</a:t>
-            </a:r>
-            <a:r>
-              <a:rPr lang="en-US" b="0" i="0" dirty="0">
-                <a:solidFill>
-                  <a:srgbClr val="212529"/>
-                </a:solidFill>
-                <a:effectLst/>
-                <a:latin typeface="Open Sans" panose="020B0606030504020204" pitchFamily="34" charset="0"/>
-              </a:rPr>
-              <a:t> je </a:t>
-            </a:r>
-            <a:r>
-              <a:rPr lang="en-US" b="0" i="0" dirty="0" err="1">
-                <a:solidFill>
-                  <a:srgbClr val="212529"/>
-                </a:solidFill>
-                <a:effectLst/>
-                <a:latin typeface="Open Sans" panose="020B0606030504020204" pitchFamily="34" charset="0"/>
-              </a:rPr>
-              <a:t>rozdíl</a:t>
-            </a:r>
-            <a:r>
-              <a:rPr lang="en-US" b="0" i="0" dirty="0">
-                <a:solidFill>
-                  <a:srgbClr val="212529"/>
-                </a:solidFill>
-                <a:effectLst/>
-                <a:latin typeface="Open Sans" panose="020B0606030504020204" pitchFamily="34" charset="0"/>
-              </a:rPr>
-              <a:t> </a:t>
-            </a:r>
-            <a:r>
-              <a:rPr lang="en-US" b="0" i="0" dirty="0" err="1">
-                <a:solidFill>
-                  <a:srgbClr val="212529"/>
-                </a:solidFill>
-                <a:effectLst/>
-                <a:latin typeface="Open Sans" panose="020B0606030504020204" pitchFamily="34" charset="0"/>
-              </a:rPr>
-              <a:t>mezi</a:t>
-            </a:r>
-            <a:r>
-              <a:rPr lang="en-US" b="0" i="0" dirty="0">
-                <a:solidFill>
-                  <a:srgbClr val="212529"/>
-                </a:solidFill>
-                <a:effectLst/>
-                <a:latin typeface="Open Sans" panose="020B0606030504020204" pitchFamily="34" charset="0"/>
-              </a:rPr>
-              <a:t> video </a:t>
-            </a:r>
-            <a:r>
-              <a:rPr lang="en-US" b="0" i="0" dirty="0" err="1">
-                <a:solidFill>
-                  <a:srgbClr val="212529"/>
-                </a:solidFill>
-                <a:effectLst/>
-                <a:latin typeface="Open Sans" panose="020B0606030504020204" pitchFamily="34" charset="0"/>
-              </a:rPr>
-              <a:t>formáty</a:t>
-            </a:r>
-            <a:r>
-              <a:rPr lang="en-US" b="0" i="0" dirty="0">
-                <a:solidFill>
-                  <a:srgbClr val="212529"/>
-                </a:solidFill>
-                <a:effectLst/>
-                <a:latin typeface="Open Sans" panose="020B0606030504020204" pitchFamily="34" charset="0"/>
-              </a:rPr>
-              <a:t> AVI a MP4. In: </a:t>
-            </a:r>
-            <a:r>
-              <a:rPr lang="en-US" b="0" i="1" dirty="0" err="1">
-                <a:solidFill>
-                  <a:srgbClr val="212529"/>
-                </a:solidFill>
-                <a:effectLst/>
-                <a:latin typeface="Open Sans" panose="020B0606030504020204" pitchFamily="34" charset="0"/>
-              </a:rPr>
-              <a:t>Bluraycopys</a:t>
-            </a:r>
-            <a:r>
-              <a:rPr lang="en-US" b="0" i="0" dirty="0">
-                <a:solidFill>
-                  <a:srgbClr val="212529"/>
-                </a:solidFill>
-                <a:effectLst/>
-                <a:latin typeface="Open Sans" panose="020B0606030504020204" pitchFamily="34" charset="0"/>
-              </a:rPr>
-              <a:t> [online]. Czech republic: Blu-ray Masters, 2021 [cit. 2022-12-28]. </a:t>
-            </a:r>
-            <a:r>
-              <a:rPr lang="en-US" b="0" i="0" dirty="0" err="1">
-                <a:solidFill>
-                  <a:srgbClr val="212529"/>
-                </a:solidFill>
-                <a:effectLst/>
-                <a:latin typeface="Open Sans" panose="020B0606030504020204" pitchFamily="34" charset="0"/>
-              </a:rPr>
-              <a:t>Dostupné</a:t>
-            </a:r>
-            <a:r>
-              <a:rPr lang="en-US" b="0" i="0" dirty="0">
-                <a:solidFill>
-                  <a:srgbClr val="212529"/>
-                </a:solidFill>
-                <a:effectLst/>
-                <a:latin typeface="Open Sans" panose="020B0606030504020204" pitchFamily="34" charset="0"/>
-              </a:rPr>
-              <a:t> z: </a:t>
-            </a:r>
-            <a:r>
-              <a:rPr lang="en-US" b="0" i="0" dirty="0">
-                <a:solidFill>
-                  <a:srgbClr val="212529"/>
-                </a:solidFill>
-                <a:effectLst/>
-                <a:latin typeface="Open Sans" panose="020B0606030504020204" pitchFamily="34" charset="0"/>
-                <a:hlinkClick r:id="rId2"/>
-              </a:rPr>
-              <a:t>https://www.bluraycopys.com/cs/video/avi-vs-mp4.html</a:t>
-            </a:r>
-            <a:endParaRPr lang="cs-CZ" b="0" i="0" dirty="0">
-              <a:solidFill>
-                <a:srgbClr val="212529"/>
-              </a:solidFill>
-              <a:effectLst/>
-              <a:latin typeface="Open Sans" panose="020B0606030504020204" pitchFamily="34" charset="0"/>
-            </a:endParaRPr>
-          </a:p>
-          <a:p>
-            <a:r>
-              <a:rPr lang="cs-CZ" b="0" i="0" dirty="0">
-                <a:solidFill>
-                  <a:srgbClr val="212529"/>
-                </a:solidFill>
-                <a:effectLst/>
-                <a:latin typeface="Open Sans" panose="020B0606030504020204" pitchFamily="34" charset="0"/>
-              </a:rPr>
-              <a:t>Formát video souboru. In: </a:t>
-            </a:r>
-            <a:r>
-              <a:rPr lang="cs-CZ" b="0" i="1" dirty="0">
-                <a:solidFill>
-                  <a:srgbClr val="212529"/>
-                </a:solidFill>
-                <a:effectLst/>
-                <a:latin typeface="Open Sans" panose="020B0606030504020204" pitchFamily="34" charset="0"/>
-              </a:rPr>
-              <a:t>Wikipedia: </a:t>
-            </a:r>
-            <a:r>
-              <a:rPr lang="cs-CZ" b="0" i="1" dirty="0" err="1">
-                <a:solidFill>
-                  <a:srgbClr val="212529"/>
-                </a:solidFill>
-                <a:effectLst/>
-                <a:latin typeface="Open Sans" panose="020B0606030504020204" pitchFamily="34" charset="0"/>
-              </a:rPr>
-              <a:t>the</a:t>
-            </a:r>
-            <a:r>
-              <a:rPr lang="cs-CZ" b="0" i="1" dirty="0">
-                <a:solidFill>
-                  <a:srgbClr val="212529"/>
-                </a:solidFill>
-                <a:effectLst/>
-                <a:latin typeface="Open Sans" panose="020B0606030504020204" pitchFamily="34" charset="0"/>
-              </a:rPr>
-              <a:t> free </a:t>
-            </a:r>
-            <a:r>
-              <a:rPr lang="cs-CZ" b="0" i="1" dirty="0" err="1">
-                <a:solidFill>
-                  <a:srgbClr val="212529"/>
-                </a:solidFill>
-                <a:effectLst/>
-                <a:latin typeface="Open Sans" panose="020B0606030504020204" pitchFamily="34" charset="0"/>
-              </a:rPr>
-              <a:t>encyclopedia</a:t>
-            </a:r>
-            <a:r>
-              <a:rPr lang="cs-CZ" b="0" i="0" dirty="0">
-                <a:solidFill>
-                  <a:srgbClr val="212529"/>
-                </a:solidFill>
-                <a:effectLst/>
-                <a:latin typeface="Open Sans" panose="020B0606030504020204" pitchFamily="34" charset="0"/>
-              </a:rPr>
-              <a:t> [online]. San Francisco (CA): </a:t>
-            </a:r>
-            <a:r>
-              <a:rPr lang="cs-CZ" b="0" i="0" dirty="0" err="1">
-                <a:solidFill>
-                  <a:srgbClr val="212529"/>
-                </a:solidFill>
-                <a:effectLst/>
-                <a:latin typeface="Open Sans" panose="020B0606030504020204" pitchFamily="34" charset="0"/>
-              </a:rPr>
-              <a:t>Wikimedia</a:t>
-            </a:r>
-            <a:r>
-              <a:rPr lang="cs-CZ" b="0" i="0" dirty="0">
-                <a:solidFill>
-                  <a:srgbClr val="212529"/>
-                </a:solidFill>
-                <a:effectLst/>
-                <a:latin typeface="Open Sans" panose="020B0606030504020204" pitchFamily="34" charset="0"/>
-              </a:rPr>
-              <a:t> </a:t>
-            </a:r>
-            <a:r>
-              <a:rPr lang="cs-CZ" b="0" i="0" dirty="0" err="1">
-                <a:solidFill>
-                  <a:srgbClr val="212529"/>
-                </a:solidFill>
-                <a:effectLst/>
-                <a:latin typeface="Open Sans" panose="020B0606030504020204" pitchFamily="34" charset="0"/>
-              </a:rPr>
-              <a:t>Foundation</a:t>
-            </a:r>
-            <a:r>
-              <a:rPr lang="cs-CZ" b="0" i="0" dirty="0">
-                <a:solidFill>
-                  <a:srgbClr val="212529"/>
-                </a:solidFill>
-                <a:effectLst/>
-                <a:latin typeface="Open Sans" panose="020B0606030504020204" pitchFamily="34" charset="0"/>
-              </a:rPr>
-              <a:t>, 2022 [cit. 2022-12-28]. Dostupné z: </a:t>
-            </a:r>
-            <a:r>
-              <a:rPr lang="cs-CZ" b="0" i="0" dirty="0">
-                <a:solidFill>
-                  <a:srgbClr val="212529"/>
-                </a:solidFill>
-                <a:effectLst/>
-                <a:latin typeface="Open Sans" panose="020B0606030504020204" pitchFamily="34" charset="0"/>
-                <a:hlinkClick r:id="rId3"/>
-              </a:rPr>
-              <a:t>https://cs.wikipedia.org/wiki/</a:t>
-            </a:r>
-            <a:r>
-              <a:rPr lang="cs-CZ" b="0" i="0" dirty="0" err="1">
-                <a:solidFill>
-                  <a:srgbClr val="212529"/>
-                </a:solidFill>
-                <a:effectLst/>
-                <a:latin typeface="Open Sans" panose="020B0606030504020204" pitchFamily="34" charset="0"/>
-                <a:hlinkClick r:id="rId3"/>
-              </a:rPr>
-              <a:t>Formát_video_souboru</a:t>
-            </a:r>
-            <a:endParaRPr lang="cs-CZ" b="0" i="0">
-              <a:solidFill>
-                <a:srgbClr val="212529"/>
-              </a:solidFill>
-              <a:effectLst/>
-              <a:latin typeface="Open Sans" panose="020B0606030504020204" pitchFamily="34" charset="0"/>
-            </a:endParaRPr>
-          </a:p>
-          <a:p>
-            <a:endParaRPr lang="cs-CZ" b="0" i="0" dirty="0">
-              <a:solidFill>
-                <a:srgbClr val="212529"/>
-              </a:solidFill>
-              <a:effectLst/>
-              <a:latin typeface="Open Sans" panose="020B0606030504020204" pitchFamily="34" charset="0"/>
-            </a:endParaRPr>
-          </a:p>
-          <a:p>
-            <a:endParaRPr lang="cs-CZ" dirty="0"/>
-          </a:p>
-        </p:txBody>
-      </p:sp>
+              <a:rPr lang="cs-CZ" dirty="0"/>
+              <a:t>Je grafický formát určený pro rastrovou grafiku</a:t>
+            </a:r>
+          </a:p>
+          <a:p>
+            <a:r>
+              <a:rPr lang="cs-CZ" dirty="0"/>
+              <a:t>Neukládá zvuk a má omezený počet barev </a:t>
+            </a:r>
+          </a:p>
+          <a:p>
+            <a:r>
+              <a:rPr lang="cs-CZ" dirty="0"/>
+              <a:t>Je využívaný pro animace a na obrázky, které mají málo barev a je potřeba zachovat vstupní kvalitu</a:t>
+            </a:r>
+          </a:p>
+        </p:txBody>
+      </p:sp>
+      <p:pic>
+        <p:nvPicPr>
+          <p:cNvPr id="5" name="Obrázek 4" descr="Obsah obrázku tmavé&#10;&#10;Popis byl vytvořen automaticky">
+            <a:extLst>
+              <a:ext uri="{FF2B5EF4-FFF2-40B4-BE49-F238E27FC236}">
+                <a16:creationId xmlns:a16="http://schemas.microsoft.com/office/drawing/2014/main" id="{A4E3A8D1-CFA8-1C7D-E037-AE64FA882195}"/>
+              </a:ext>
+            </a:extLst>
+          </p:cNvPr>
+          <p:cNvPicPr>
+            <a:picLocks noChangeAspect="1"/>
+          </p:cNvPicPr>
+          <p:nvPr/>
+        </p:nvPicPr>
+        <p:blipFill>
+          <a:blip r:embed="rId3">
+            <a:extLst>
+              <a:ext uri="{28A0092B-C50C-407E-A947-70E740481C1C}">
+                <a14:useLocalDpi xmlns:a14="http://schemas.microsoft.com/office/drawing/2010/main" val="0"/>
+              </a:ext>
+            </a:extLst>
+          </a:blip>
+          <a:stretch>
+            <a:fillRect/>
+          </a:stretch>
+        </p:blipFill>
+        <p:spPr>
+          <a:xfrm>
+            <a:off x="8510055" y="3545094"/>
+            <a:ext cx="3079596" cy="3079596"/>
+          </a:xfrm>
+          <a:prstGeom prst="rect">
+            <a:avLst/>
+          </a:prstGeom>
+        </p:spPr>
+      </p:pic>
     </p:spTree>
     <p:extLst>
       <p:ext uri="{BB962C8B-B14F-4D97-AF65-F5344CB8AC3E}">
-        <p14:creationId xmlns:p14="http://schemas.microsoft.com/office/powerpoint/2010/main" val="1618698119"/>
+        <p14:creationId xmlns:p14="http://schemas.microsoft.com/office/powerpoint/2010/main" val="2581854553"/>
       </p:ext>
     </p:extLst>
   </p:cSld>
@@ -7452,6 +7328,451 @@
       </p:transition>
     </mc:Choice>
     <mc:Fallback>
+      <p:transition spd="med">
+        <p:fade/>
+      </p:transition>
+    </mc:Fallback>
+  </mc:AlternateContent>
+</p:sld>
+</file>
+
+<file path=ppt/slides/slide5.xml><?xml version="1.0" encoding="utf-8"?>
+<p:sld xmlns:a="http://schemas.openxmlformats.org/drawingml/2006/main" xmlns:r="http://schemas.openxmlformats.org/officeDocument/2006/relationships" xmlns:p="http://schemas.openxmlformats.org/presentationml/2006/main">
+  <p:cSld>
+    <p:spTree>
+      <p:nvGrpSpPr>
+        <p:cNvPr id="1" name=""/>
+        <p:cNvGrpSpPr/>
+        <p:nvPr/>
+      </p:nvGrpSpPr>
+      <p:grpSpPr>
+        <a:xfrm>
+          <a:off x="0" y="0"/>
+          <a:ext cx="0" cy="0"/>
+          <a:chOff x="0" y="0"/>
+          <a:chExt cx="0" cy="0"/>
+        </a:xfrm>
+      </p:grpSpPr>
+      <p:sp>
+        <p:nvSpPr>
+          <p:cNvPr id="2" name="Nadpis 1">
+            <a:extLst>
+              <a:ext uri="{FF2B5EF4-FFF2-40B4-BE49-F238E27FC236}">
+                <a16:creationId xmlns:a16="http://schemas.microsoft.com/office/drawing/2014/main" id="{232E8C7A-EB5E-B42D-F7B9-1F420F99137A}"/>
+              </a:ext>
+            </a:extLst>
+          </p:cNvPr>
+          <p:cNvSpPr>
+            <a:spLocks noGrp="1"/>
+          </p:cNvSpPr>
+          <p:nvPr>
+            <p:ph type="title"/>
+          </p:nvPr>
+        </p:nvSpPr>
+        <p:spPr/>
+        <p:txBody>
+          <a:bodyPr/>
+          <a:lstStyle/>
+          <a:p>
+            <a:r>
+              <a:rPr lang="cs-CZ" dirty="0"/>
+              <a:t>Citace</a:t>
+            </a:r>
+          </a:p>
+        </p:txBody>
+      </p:sp>
+      <p:sp>
+        <p:nvSpPr>
+          <p:cNvPr id="3" name="Zástupný obsah 2">
+            <a:extLst>
+              <a:ext uri="{FF2B5EF4-FFF2-40B4-BE49-F238E27FC236}">
+                <a16:creationId xmlns:a16="http://schemas.microsoft.com/office/drawing/2014/main" id="{4F7074C7-8637-6800-99B3-58CF891E7AE1}"/>
+              </a:ext>
+            </a:extLst>
+          </p:cNvPr>
+          <p:cNvSpPr>
+            <a:spLocks noGrp="1"/>
+          </p:cNvSpPr>
+          <p:nvPr>
+            <p:ph idx="1"/>
+          </p:nvPr>
+        </p:nvSpPr>
+        <p:spPr/>
+        <p:txBody>
+          <a:bodyPr/>
+          <a:lstStyle/>
+          <a:p>
+            <a:r>
+              <a:rPr lang="en-US" b="0" i="0" dirty="0" err="1">
+                <a:solidFill>
+                  <a:srgbClr val="212529"/>
+                </a:solidFill>
+                <a:effectLst/>
+                <a:latin typeface="Open Sans" panose="020B0606030504020204" pitchFamily="34" charset="0"/>
+              </a:rPr>
+              <a:t>Jaký</a:t>
+            </a:r>
+            <a:r>
+              <a:rPr lang="en-US" b="0" i="0" dirty="0">
+                <a:solidFill>
+                  <a:srgbClr val="212529"/>
+                </a:solidFill>
+                <a:effectLst/>
+                <a:latin typeface="Open Sans" panose="020B0606030504020204" pitchFamily="34" charset="0"/>
+              </a:rPr>
+              <a:t> je </a:t>
+            </a:r>
+            <a:r>
+              <a:rPr lang="en-US" b="0" i="0" dirty="0" err="1">
+                <a:solidFill>
+                  <a:srgbClr val="212529"/>
+                </a:solidFill>
+                <a:effectLst/>
+                <a:latin typeface="Open Sans" panose="020B0606030504020204" pitchFamily="34" charset="0"/>
+              </a:rPr>
+              <a:t>rozdíl</a:t>
+            </a:r>
+            <a:r>
+              <a:rPr lang="en-US" b="0" i="0" dirty="0">
+                <a:solidFill>
+                  <a:srgbClr val="212529"/>
+                </a:solidFill>
+                <a:effectLst/>
+                <a:latin typeface="Open Sans" panose="020B0606030504020204" pitchFamily="34" charset="0"/>
+              </a:rPr>
+              <a:t> </a:t>
+            </a:r>
+            <a:r>
+              <a:rPr lang="en-US" b="0" i="0" dirty="0" err="1">
+                <a:solidFill>
+                  <a:srgbClr val="212529"/>
+                </a:solidFill>
+                <a:effectLst/>
+                <a:latin typeface="Open Sans" panose="020B0606030504020204" pitchFamily="34" charset="0"/>
+              </a:rPr>
+              <a:t>mezi</a:t>
+            </a:r>
+            <a:r>
+              <a:rPr lang="en-US" b="0" i="0" dirty="0">
+                <a:solidFill>
+                  <a:srgbClr val="212529"/>
+                </a:solidFill>
+                <a:effectLst/>
+                <a:latin typeface="Open Sans" panose="020B0606030504020204" pitchFamily="34" charset="0"/>
+              </a:rPr>
+              <a:t> video </a:t>
+            </a:r>
+            <a:r>
+              <a:rPr lang="en-US" b="0" i="0" dirty="0" err="1">
+                <a:solidFill>
+                  <a:srgbClr val="212529"/>
+                </a:solidFill>
+                <a:effectLst/>
+                <a:latin typeface="Open Sans" panose="020B0606030504020204" pitchFamily="34" charset="0"/>
+              </a:rPr>
+              <a:t>formáty</a:t>
+            </a:r>
+            <a:r>
+              <a:rPr lang="en-US" b="0" i="0" dirty="0">
+                <a:solidFill>
+                  <a:srgbClr val="212529"/>
+                </a:solidFill>
+                <a:effectLst/>
+                <a:latin typeface="Open Sans" panose="020B0606030504020204" pitchFamily="34" charset="0"/>
+              </a:rPr>
+              <a:t> AVI a MP4. In: </a:t>
+            </a:r>
+            <a:r>
+              <a:rPr lang="en-US" b="0" i="1" dirty="0" err="1">
+                <a:solidFill>
+                  <a:srgbClr val="212529"/>
+                </a:solidFill>
+                <a:effectLst/>
+                <a:latin typeface="Open Sans" panose="020B0606030504020204" pitchFamily="34" charset="0"/>
+              </a:rPr>
+              <a:t>Bluraycopys</a:t>
+            </a:r>
+            <a:r>
+              <a:rPr lang="en-US" b="0" i="0" dirty="0">
+                <a:solidFill>
+                  <a:srgbClr val="212529"/>
+                </a:solidFill>
+                <a:effectLst/>
+                <a:latin typeface="Open Sans" panose="020B0606030504020204" pitchFamily="34" charset="0"/>
+              </a:rPr>
+              <a:t> [online]. Czech republic: Blu-ray Masters, 2021 [cit. 2022-12-28]. </a:t>
+            </a:r>
+            <a:r>
+              <a:rPr lang="en-US" b="0" i="0" dirty="0" err="1">
+                <a:solidFill>
+                  <a:srgbClr val="212529"/>
+                </a:solidFill>
+                <a:effectLst/>
+                <a:latin typeface="Open Sans" panose="020B0606030504020204" pitchFamily="34" charset="0"/>
+              </a:rPr>
+              <a:t>Dostupné</a:t>
+            </a:r>
+            <a:r>
+              <a:rPr lang="en-US" b="0" i="0" dirty="0">
+                <a:solidFill>
+                  <a:srgbClr val="212529"/>
+                </a:solidFill>
+                <a:effectLst/>
+                <a:latin typeface="Open Sans" panose="020B0606030504020204" pitchFamily="34" charset="0"/>
+              </a:rPr>
+              <a:t> z: </a:t>
+            </a:r>
+            <a:r>
+              <a:rPr lang="en-US" b="0" i="0" dirty="0">
+                <a:solidFill>
+                  <a:srgbClr val="212529"/>
+                </a:solidFill>
+                <a:effectLst/>
+                <a:latin typeface="Open Sans" panose="020B0606030504020204" pitchFamily="34" charset="0"/>
+                <a:hlinkClick r:id="rId2"/>
+              </a:rPr>
+              <a:t>https://www.bluraycopys.com/cs/video/avi-vs-mp4.html</a:t>
+            </a:r>
+            <a:endParaRPr lang="cs-CZ" b="0" i="0" dirty="0">
+              <a:solidFill>
+                <a:srgbClr val="212529"/>
+              </a:solidFill>
+              <a:effectLst/>
+              <a:latin typeface="Open Sans" panose="020B0606030504020204" pitchFamily="34" charset="0"/>
+            </a:endParaRPr>
+          </a:p>
+          <a:p>
+            <a:r>
+              <a:rPr lang="cs-CZ" b="0" i="0" dirty="0">
+                <a:solidFill>
+                  <a:srgbClr val="212529"/>
+                </a:solidFill>
+                <a:effectLst/>
+                <a:latin typeface="Open Sans" panose="020B0606030504020204" pitchFamily="34" charset="0"/>
+              </a:rPr>
+              <a:t>Formát video souboru. In: </a:t>
+            </a:r>
+            <a:r>
+              <a:rPr lang="cs-CZ" b="0" i="1" dirty="0">
+                <a:solidFill>
+                  <a:srgbClr val="212529"/>
+                </a:solidFill>
+                <a:effectLst/>
+                <a:latin typeface="Open Sans" panose="020B0606030504020204" pitchFamily="34" charset="0"/>
+              </a:rPr>
+              <a:t>Wikipedia: </a:t>
+            </a:r>
+            <a:r>
+              <a:rPr lang="cs-CZ" b="0" i="1" dirty="0" err="1">
+                <a:solidFill>
+                  <a:srgbClr val="212529"/>
+                </a:solidFill>
+                <a:effectLst/>
+                <a:latin typeface="Open Sans" panose="020B0606030504020204" pitchFamily="34" charset="0"/>
+              </a:rPr>
+              <a:t>the</a:t>
+            </a:r>
+            <a:r>
+              <a:rPr lang="cs-CZ" b="0" i="1" dirty="0">
+                <a:solidFill>
+                  <a:srgbClr val="212529"/>
+                </a:solidFill>
+                <a:effectLst/>
+                <a:latin typeface="Open Sans" panose="020B0606030504020204" pitchFamily="34" charset="0"/>
+              </a:rPr>
+              <a:t> free </a:t>
+            </a:r>
+            <a:r>
+              <a:rPr lang="cs-CZ" b="0" i="1" dirty="0" err="1">
+                <a:solidFill>
+                  <a:srgbClr val="212529"/>
+                </a:solidFill>
+                <a:effectLst/>
+                <a:latin typeface="Open Sans" panose="020B0606030504020204" pitchFamily="34" charset="0"/>
+              </a:rPr>
+              <a:t>encyclopedia</a:t>
+            </a:r>
+            <a:r>
+              <a:rPr lang="cs-CZ" b="0" i="0" dirty="0">
+                <a:solidFill>
+                  <a:srgbClr val="212529"/>
+                </a:solidFill>
+                <a:effectLst/>
+                <a:latin typeface="Open Sans" panose="020B0606030504020204" pitchFamily="34" charset="0"/>
+              </a:rPr>
+              <a:t> [online]. San Francisco (CA): </a:t>
+            </a:r>
+            <a:r>
+              <a:rPr lang="cs-CZ" b="0" i="0" dirty="0" err="1">
+                <a:solidFill>
+                  <a:srgbClr val="212529"/>
+                </a:solidFill>
+                <a:effectLst/>
+                <a:latin typeface="Open Sans" panose="020B0606030504020204" pitchFamily="34" charset="0"/>
+              </a:rPr>
+              <a:t>Wikimedia</a:t>
+            </a:r>
+            <a:r>
+              <a:rPr lang="cs-CZ" b="0" i="0" dirty="0">
+                <a:solidFill>
+                  <a:srgbClr val="212529"/>
+                </a:solidFill>
+                <a:effectLst/>
+                <a:latin typeface="Open Sans" panose="020B0606030504020204" pitchFamily="34" charset="0"/>
+              </a:rPr>
+              <a:t> </a:t>
+            </a:r>
+            <a:r>
+              <a:rPr lang="cs-CZ" b="0" i="0" dirty="0" err="1">
+                <a:solidFill>
+                  <a:srgbClr val="212529"/>
+                </a:solidFill>
+                <a:effectLst/>
+                <a:latin typeface="Open Sans" panose="020B0606030504020204" pitchFamily="34" charset="0"/>
+              </a:rPr>
+              <a:t>Foundation</a:t>
+            </a:r>
+            <a:r>
+              <a:rPr lang="cs-CZ" b="0" i="0" dirty="0">
+                <a:solidFill>
+                  <a:srgbClr val="212529"/>
+                </a:solidFill>
+                <a:effectLst/>
+                <a:latin typeface="Open Sans" panose="020B0606030504020204" pitchFamily="34" charset="0"/>
+              </a:rPr>
+              <a:t>, 2022 [cit. 2022-12-28]. Dostupné z: </a:t>
+            </a:r>
+            <a:r>
+              <a:rPr lang="cs-CZ" b="0" i="0" dirty="0">
+                <a:solidFill>
+                  <a:srgbClr val="212529"/>
+                </a:solidFill>
+                <a:effectLst/>
+                <a:latin typeface="Open Sans" panose="020B0606030504020204" pitchFamily="34" charset="0"/>
+                <a:hlinkClick r:id="rId3"/>
+              </a:rPr>
+              <a:t>https://cs.wikipedia.org/wiki/</a:t>
+            </a:r>
+            <a:r>
+              <a:rPr lang="cs-CZ" b="0" i="0" dirty="0" err="1">
+                <a:solidFill>
+                  <a:srgbClr val="212529"/>
+                </a:solidFill>
+                <a:effectLst/>
+                <a:latin typeface="Open Sans" panose="020B0606030504020204" pitchFamily="34" charset="0"/>
+                <a:hlinkClick r:id="rId3"/>
+              </a:rPr>
+              <a:t>Formát_video_souboru</a:t>
+            </a:r>
+            <a:endParaRPr lang="cs-CZ" b="0" i="0" dirty="0">
+              <a:solidFill>
+                <a:srgbClr val="212529"/>
+              </a:solidFill>
+              <a:effectLst/>
+              <a:latin typeface="Open Sans" panose="020B0606030504020204" pitchFamily="34" charset="0"/>
+            </a:endParaRPr>
+          </a:p>
+          <a:p>
+            <a:r>
+              <a:rPr lang="en-US" b="0" i="0" dirty="0">
+                <a:solidFill>
+                  <a:srgbClr val="212529"/>
+                </a:solidFill>
+                <a:effectLst/>
+                <a:latin typeface="Open Sans" panose="020B0606030504020204" pitchFamily="34" charset="0"/>
+              </a:rPr>
+              <a:t>GIF. In: </a:t>
+            </a:r>
+            <a:r>
+              <a:rPr lang="en-US" b="0" i="1" dirty="0">
+                <a:solidFill>
+                  <a:srgbClr val="212529"/>
+                </a:solidFill>
+                <a:effectLst/>
+                <a:latin typeface="Open Sans" panose="020B0606030504020204" pitchFamily="34" charset="0"/>
+              </a:rPr>
+              <a:t>Wikipedia: the free encyclopedia</a:t>
+            </a:r>
+            <a:r>
+              <a:rPr lang="en-US" b="0" i="0" dirty="0">
+                <a:solidFill>
+                  <a:srgbClr val="212529"/>
+                </a:solidFill>
+                <a:effectLst/>
+                <a:latin typeface="Open Sans" panose="020B0606030504020204" pitchFamily="34" charset="0"/>
+              </a:rPr>
+              <a:t> [online]. San Francisco (CA): Wikimedia Foundation, 2022 [cit. 2022-12-29]. </a:t>
+            </a:r>
+            <a:r>
+              <a:rPr lang="en-US" b="0" i="0" dirty="0" err="1">
+                <a:solidFill>
+                  <a:srgbClr val="212529"/>
+                </a:solidFill>
+                <a:effectLst/>
+                <a:latin typeface="Open Sans" panose="020B0606030504020204" pitchFamily="34" charset="0"/>
+              </a:rPr>
+              <a:t>Dostupné</a:t>
+            </a:r>
+            <a:r>
+              <a:rPr lang="en-US" b="0" i="0" dirty="0">
+                <a:solidFill>
+                  <a:srgbClr val="212529"/>
+                </a:solidFill>
+                <a:effectLst/>
+                <a:latin typeface="Open Sans" panose="020B0606030504020204" pitchFamily="34" charset="0"/>
+              </a:rPr>
+              <a:t> z: </a:t>
+            </a:r>
+            <a:r>
+              <a:rPr lang="en-US" b="0" i="0" dirty="0">
+                <a:solidFill>
+                  <a:srgbClr val="212529"/>
+                </a:solidFill>
+                <a:effectLst/>
+                <a:latin typeface="Open Sans" panose="020B0606030504020204" pitchFamily="34" charset="0"/>
+                <a:hlinkClick r:id="rId4"/>
+              </a:rPr>
+              <a:t>https://cs.wikipedia.org/wiki/GIF</a:t>
+            </a:r>
+            <a:endParaRPr lang="cs-CZ" b="0" i="0">
+              <a:solidFill>
+                <a:srgbClr val="212529"/>
+              </a:solidFill>
+              <a:effectLst/>
+              <a:latin typeface="Open Sans" panose="020B0606030504020204" pitchFamily="34" charset="0"/>
+            </a:endParaRPr>
+          </a:p>
+          <a:p>
+            <a:endParaRPr lang="cs-CZ" b="0" i="0" dirty="0">
+              <a:solidFill>
+                <a:srgbClr val="212529"/>
+              </a:solidFill>
+              <a:effectLst/>
+              <a:latin typeface="Open Sans" panose="020B0606030504020204" pitchFamily="34" charset="0"/>
+            </a:endParaRPr>
+          </a:p>
+          <a:p>
+            <a:endParaRPr lang="cs-CZ" dirty="0"/>
+          </a:p>
+        </p:txBody>
+      </p:sp>
+    </p:spTree>
+    <p:extLst>
+      <p:ext uri="{BB962C8B-B14F-4D97-AF65-F5344CB8AC3E}">
+        <p14:creationId xmlns:p14="http://schemas.microsoft.com/office/powerpoint/2010/main" val="1618698119"/>
+      </p:ext>
+    </p:extLst>
+  </p:cSld>
+  <p:clrMapOvr>
+    <a:masterClrMapping/>
+  </p:clrMapOvr>
+  <mc:AlternateContent xmlns:mc="http://schemas.openxmlformats.org/markup-compatibility/2006" xmlns:p14="http://schemas.microsoft.com/office/powerpoint/2010/main">
+    <mc:Choice Requires="p14">
+      <p:transition spd="med" p14:dur="700">
+        <p:fade/>
+      </p:transition>
+    </mc:Choice>
+    <mc:Fallback xmlns="">
       <p:transition spd="med">
         <p:fade/>
       </p:transition>
